--- a/SE401/Lectures/4-Software Testing Plans and Test cases/Test Plan.pptx
+++ b/SE401/Lectures/4-Software Testing Plans and Test cases/Test Plan.pptx
@@ -2861,7 +2861,7 @@
           <a:p>
             <a:fld id="{29DC965F-4EE6-424F-87B9-6E4E065EFA1D}" type="datetimeFigureOut">
               <a:rPr lang="en-US" smtClean="0"/>
-              <a:t>2/7/2021</a:t>
+              <a:t>9/21/2021</a:t>
             </a:fld>
             <a:endParaRPr lang="en-US"/>
           </a:p>
@@ -3244,7 +3244,7 @@
           <a:ln/>
           <a:extLst>
             <a:ext uri="{FAA26D3D-D897-4be2-8F04-BA451C77F1D7}">
-              <ma14:placeholderFlag xmlns:ma14="http://schemas.microsoft.com/office/mac/drawingml/2011/main" xmlns="" val="1"/>
+              <ma14:placeholderFlag xmlns="" xmlns:ma14="http://schemas.microsoft.com/office/mac/drawingml/2011/main" val="1"/>
             </a:ext>
           </a:extLst>
         </p:spPr>
@@ -3423,7 +3423,7 @@
           <a:ln/>
           <a:extLst>
             <a:ext uri="{FAA26D3D-D897-4be2-8F04-BA451C77F1D7}">
-              <ma14:placeholderFlag xmlns:ma14="http://schemas.microsoft.com/office/mac/drawingml/2011/main" xmlns="" val="1"/>
+              <ma14:placeholderFlag xmlns="" xmlns:ma14="http://schemas.microsoft.com/office/mac/drawingml/2011/main" val="1"/>
             </a:ext>
           </a:extLst>
         </p:spPr>
@@ -3602,7 +3602,7 @@
           <a:ln/>
           <a:extLst>
             <a:ext uri="{FAA26D3D-D897-4be2-8F04-BA451C77F1D7}">
-              <ma14:placeholderFlag xmlns:ma14="http://schemas.microsoft.com/office/mac/drawingml/2011/main" xmlns="" val="1"/>
+              <ma14:placeholderFlag xmlns="" xmlns:ma14="http://schemas.microsoft.com/office/mac/drawingml/2011/main" val="1"/>
             </a:ext>
           </a:extLst>
         </p:spPr>
@@ -3781,7 +3781,7 @@
           <a:ln/>
           <a:extLst>
             <a:ext uri="{FAA26D3D-D897-4be2-8F04-BA451C77F1D7}">
-              <ma14:placeholderFlag xmlns:ma14="http://schemas.microsoft.com/office/mac/drawingml/2011/main" xmlns="" val="1"/>
+              <ma14:placeholderFlag xmlns="" xmlns:ma14="http://schemas.microsoft.com/office/mac/drawingml/2011/main" val="1"/>
             </a:ext>
           </a:extLst>
         </p:spPr>
@@ -3960,7 +3960,7 @@
           <a:ln/>
           <a:extLst>
             <a:ext uri="{FAA26D3D-D897-4be2-8F04-BA451C77F1D7}">
-              <ma14:placeholderFlag xmlns:ma14="http://schemas.microsoft.com/office/mac/drawingml/2011/main" xmlns="" val="1"/>
+              <ma14:placeholderFlag xmlns="" xmlns:ma14="http://schemas.microsoft.com/office/mac/drawingml/2011/main" val="1"/>
             </a:ext>
           </a:extLst>
         </p:spPr>
@@ -4326,14 +4326,14 @@
           <a:ln/>
           <a:extLst>
             <a:ext uri="{909E8E84-426E-40dd-AFC4-6F175D3DCCD1}">
-              <a14:hiddenFill xmlns:a14="http://schemas.microsoft.com/office/drawing/2010/main" xmlns="">
+              <a14:hiddenFill xmlns="" xmlns:a14="http://schemas.microsoft.com/office/drawing/2010/main">
                 <a:solidFill>
                   <a:srgbClr val="FFFFFF"/>
                 </a:solidFill>
               </a14:hiddenFill>
             </a:ext>
             <a:ext uri="{91240B29-F687-4f45-9708-019B960494DF}">
-              <a14:hiddenLine xmlns:a14="http://schemas.microsoft.com/office/drawing/2010/main" xmlns="" w="9525">
+              <a14:hiddenLine xmlns="" xmlns:a14="http://schemas.microsoft.com/office/drawing/2010/main" w="9525">
                 <a:solidFill>
                   <a:srgbClr val="000000"/>
                 </a:solidFill>
@@ -4343,7 +4343,7 @@
               </a14:hiddenLine>
             </a:ext>
             <a:ext uri="{FAA26D3D-D897-4be2-8F04-BA451C77F1D7}">
-              <ma14:placeholderFlag xmlns:ma14="http://schemas.microsoft.com/office/mac/drawingml/2011/main" xmlns="" val="1"/>
+              <ma14:placeholderFlag xmlns="" xmlns:ma14="http://schemas.microsoft.com/office/mac/drawingml/2011/main" val="1"/>
             </a:ext>
           </a:extLst>
         </p:spPr>
@@ -4611,14 +4611,14 @@
           <a:ln/>
           <a:extLst>
             <a:ext uri="{909E8E84-426E-40dd-AFC4-6F175D3DCCD1}">
-              <a14:hiddenFill xmlns:a14="http://schemas.microsoft.com/office/drawing/2010/main" xmlns="">
+              <a14:hiddenFill xmlns="" xmlns:a14="http://schemas.microsoft.com/office/drawing/2010/main">
                 <a:solidFill>
                   <a:srgbClr val="FFFFFF"/>
                 </a:solidFill>
               </a14:hiddenFill>
             </a:ext>
             <a:ext uri="{91240B29-F687-4f45-9708-019B960494DF}">
-              <a14:hiddenLine xmlns:a14="http://schemas.microsoft.com/office/drawing/2010/main" xmlns="" w="9525">
+              <a14:hiddenLine xmlns="" xmlns:a14="http://schemas.microsoft.com/office/drawing/2010/main" w="9525">
                 <a:solidFill>
                   <a:srgbClr val="000000"/>
                 </a:solidFill>
@@ -4628,7 +4628,7 @@
               </a14:hiddenLine>
             </a:ext>
             <a:ext uri="{FAA26D3D-D897-4be2-8F04-BA451C77F1D7}">
-              <ma14:placeholderFlag xmlns:ma14="http://schemas.microsoft.com/office/mac/drawingml/2011/main" xmlns="" val="1"/>
+              <ma14:placeholderFlag xmlns="" xmlns:ma14="http://schemas.microsoft.com/office/mac/drawingml/2011/main" val="1"/>
             </a:ext>
           </a:extLst>
         </p:spPr>
@@ -5156,14 +5156,14 @@
           <a:ln/>
           <a:extLst>
             <a:ext uri="{909E8E84-426E-40dd-AFC4-6F175D3DCCD1}">
-              <a14:hiddenFill xmlns:a14="http://schemas.microsoft.com/office/drawing/2010/main" xmlns="">
+              <a14:hiddenFill xmlns="" xmlns:a14="http://schemas.microsoft.com/office/drawing/2010/main">
                 <a:solidFill>
                   <a:srgbClr val="FFFFFF"/>
                 </a:solidFill>
               </a14:hiddenFill>
             </a:ext>
             <a:ext uri="{91240B29-F687-4f45-9708-019B960494DF}">
-              <a14:hiddenLine xmlns:a14="http://schemas.microsoft.com/office/drawing/2010/main" xmlns="" w="9525">
+              <a14:hiddenLine xmlns="" xmlns:a14="http://schemas.microsoft.com/office/drawing/2010/main" w="9525">
                 <a:solidFill>
                   <a:srgbClr val="000000"/>
                 </a:solidFill>
@@ -5173,7 +5173,7 @@
               </a14:hiddenLine>
             </a:ext>
             <a:ext uri="{FAA26D3D-D897-4be2-8F04-BA451C77F1D7}">
-              <ma14:placeholderFlag xmlns:ma14="http://schemas.microsoft.com/office/mac/drawingml/2011/main" xmlns="" val="1"/>
+              <ma14:placeholderFlag xmlns="" xmlns:ma14="http://schemas.microsoft.com/office/mac/drawingml/2011/main" val="1"/>
             </a:ext>
           </a:extLst>
         </p:spPr>
@@ -5357,14 +5357,14 @@
           <a:ln/>
           <a:extLst>
             <a:ext uri="{909E8E84-426E-40dd-AFC4-6F175D3DCCD1}">
-              <a14:hiddenFill xmlns:a14="http://schemas.microsoft.com/office/drawing/2010/main" xmlns="">
+              <a14:hiddenFill xmlns="" xmlns:a14="http://schemas.microsoft.com/office/drawing/2010/main">
                 <a:solidFill>
                   <a:srgbClr val="FFFFFF"/>
                 </a:solidFill>
               </a14:hiddenFill>
             </a:ext>
             <a:ext uri="{91240B29-F687-4f45-9708-019B960494DF}">
-              <a14:hiddenLine xmlns:a14="http://schemas.microsoft.com/office/drawing/2010/main" xmlns="" w="9525">
+              <a14:hiddenLine xmlns="" xmlns:a14="http://schemas.microsoft.com/office/drawing/2010/main" w="9525">
                 <a:solidFill>
                   <a:srgbClr val="000000"/>
                 </a:solidFill>
@@ -5374,7 +5374,7 @@
               </a14:hiddenLine>
             </a:ext>
             <a:ext uri="{FAA26D3D-D897-4be2-8F04-BA451C77F1D7}">
-              <ma14:placeholderFlag xmlns:ma14="http://schemas.microsoft.com/office/mac/drawingml/2011/main" xmlns="" val="1"/>
+              <ma14:placeholderFlag xmlns="" xmlns:ma14="http://schemas.microsoft.com/office/mac/drawingml/2011/main" val="1"/>
             </a:ext>
           </a:extLst>
         </p:spPr>
@@ -5543,7 +5543,7 @@
           <a:ln/>
           <a:extLst>
             <a:ext uri="{FAA26D3D-D897-4be2-8F04-BA451C77F1D7}">
-              <ma14:placeholderFlag xmlns:ma14="http://schemas.microsoft.com/office/mac/drawingml/2011/main" xmlns="" val="1"/>
+              <ma14:placeholderFlag xmlns="" xmlns:ma14="http://schemas.microsoft.com/office/mac/drawingml/2011/main" val="1"/>
             </a:ext>
           </a:extLst>
         </p:spPr>
@@ -5722,7 +5722,7 @@
           <a:ln/>
           <a:extLst>
             <a:ext uri="{FAA26D3D-D897-4be2-8F04-BA451C77F1D7}">
-              <ma14:placeholderFlag xmlns:ma14="http://schemas.microsoft.com/office/mac/drawingml/2011/main" xmlns="" val="1"/>
+              <ma14:placeholderFlag xmlns="" xmlns:ma14="http://schemas.microsoft.com/office/mac/drawingml/2011/main" val="1"/>
             </a:ext>
           </a:extLst>
         </p:spPr>
@@ -6015,7 +6015,7 @@
           <a:p>
             <a:fld id="{B7194F6F-F8F6-4751-8CA2-85F4D35D018E}" type="datetime1">
               <a:rPr lang="en-US" smtClean="0"/>
-              <a:t>2/7/2021</a:t>
+              <a:t>9/21/2021</a:t>
             </a:fld>
             <a:endParaRPr lang="en-US"/>
           </a:p>
@@ -6266,7 +6266,7 @@
           <a:p>
             <a:fld id="{51966701-5015-4BF1-A38F-3E8D09F89975}" type="datetime1">
               <a:rPr lang="en-US" smtClean="0"/>
-              <a:t>2/7/2021</a:t>
+              <a:t>9/21/2021</a:t>
             </a:fld>
             <a:endParaRPr lang="en-US"/>
           </a:p>
@@ -6446,7 +6446,7 @@
           <a:p>
             <a:fld id="{05771115-F41D-48B8-B0FE-B44E30C0995B}" type="datetime1">
               <a:rPr lang="en-US" smtClean="0"/>
-              <a:t>2/7/2021</a:t>
+              <a:t>9/21/2021</a:t>
             </a:fld>
             <a:endParaRPr lang="en-US"/>
           </a:p>
@@ -6616,7 +6616,7 @@
           <a:p>
             <a:fld id="{99530CDF-96EE-428C-B9C0-4520B0E0B913}" type="datetime1">
               <a:rPr lang="en-US" smtClean="0"/>
-              <a:t>2/7/2021</a:t>
+              <a:t>9/21/2021</a:t>
             </a:fld>
             <a:endParaRPr lang="en-US"/>
           </a:p>
@@ -6862,7 +6862,7 @@
           <a:p>
             <a:fld id="{61C4777D-9966-4594-BF32-BA726808DAEC}" type="datetime1">
               <a:rPr lang="en-US" smtClean="0"/>
-              <a:t>2/7/2021</a:t>
+              <a:t>9/21/2021</a:t>
             </a:fld>
             <a:endParaRPr lang="en-US"/>
           </a:p>
@@ -7094,7 +7094,7 @@
           <a:p>
             <a:fld id="{573F1017-7F50-49A5-8F6A-751781652CD4}" type="datetime1">
               <a:rPr lang="en-US" smtClean="0"/>
-              <a:t>2/7/2021</a:t>
+              <a:t>9/21/2021</a:t>
             </a:fld>
             <a:endParaRPr lang="en-US"/>
           </a:p>
@@ -7461,7 +7461,7 @@
           <a:p>
             <a:fld id="{D82622DA-C96C-48AC-8B90-803C0D3CBC33}" type="datetime1">
               <a:rPr lang="en-US" smtClean="0"/>
-              <a:t>2/7/2021</a:t>
+              <a:t>9/21/2021</a:t>
             </a:fld>
             <a:endParaRPr lang="en-US"/>
           </a:p>
@@ -7579,7 +7579,7 @@
           <a:p>
             <a:fld id="{5DBD60FD-FD70-40FE-97C9-119340063A5F}" type="datetime1">
               <a:rPr lang="en-US" smtClean="0"/>
-              <a:t>2/7/2021</a:t>
+              <a:t>9/21/2021</a:t>
             </a:fld>
             <a:endParaRPr lang="en-US"/>
           </a:p>
@@ -7674,7 +7674,7 @@
           <a:p>
             <a:fld id="{39DDBD92-ACEF-4439-8840-D62695E6504F}" type="datetime1">
               <a:rPr lang="en-US" smtClean="0"/>
-              <a:t>2/7/2021</a:t>
+              <a:t>9/21/2021</a:t>
             </a:fld>
             <a:endParaRPr lang="en-US"/>
           </a:p>
@@ -7951,7 +7951,7 @@
           <a:p>
             <a:fld id="{A8769B50-085C-407B-B095-9D9580988E69}" type="datetime1">
               <a:rPr lang="en-US" smtClean="0"/>
-              <a:t>2/7/2021</a:t>
+              <a:t>9/21/2021</a:t>
             </a:fld>
             <a:endParaRPr lang="en-US"/>
           </a:p>
@@ -8204,7 +8204,7 @@
           <a:p>
             <a:fld id="{6E723B20-9AAB-4932-889C-6B705105D696}" type="datetime1">
               <a:rPr lang="en-US" smtClean="0"/>
-              <a:t>2/7/2021</a:t>
+              <a:t>9/21/2021</a:t>
             </a:fld>
             <a:endParaRPr lang="en-US"/>
           </a:p>
@@ -8418,7 +8418,7 @@
           <a:p>
             <a:fld id="{9C03F2C9-F0E1-42D1-90CF-02BED57269FA}" type="datetime1">
               <a:rPr lang="en-US" smtClean="0"/>
-              <a:t>2/7/2021</a:t>
+              <a:t>9/21/2021</a:t>
             </a:fld>
             <a:endParaRPr lang="en-US"/>
           </a:p>
@@ -10670,14 +10670,14 @@
           </a:ln>
           <a:extLst>
             <a:ext uri="{909E8E84-426E-40dd-AFC4-6F175D3DCCD1}">
-              <a14:hiddenFill xmlns:a14="http://schemas.microsoft.com/office/drawing/2010/main" xmlns="">
+              <a14:hiddenFill xmlns="" xmlns:a14="http://schemas.microsoft.com/office/drawing/2010/main">
                 <a:solidFill>
                   <a:schemeClr val="accent1"/>
                 </a:solidFill>
               </a14:hiddenFill>
             </a:ext>
             <a:ext uri="{91240B29-F687-4f45-9708-019B960494DF}">
-              <a14:hiddenLine xmlns:a14="http://schemas.microsoft.com/office/drawing/2010/main" xmlns="" w="9525">
+              <a14:hiddenLine xmlns="" xmlns:a14="http://schemas.microsoft.com/office/drawing/2010/main" w="9525">
                 <a:solidFill>
                   <a:schemeClr val="tx1"/>
                 </a:solidFill>
@@ -10724,14 +10724,14 @@
           </a:ln>
           <a:extLst>
             <a:ext uri="{909E8E84-426E-40dd-AFC4-6F175D3DCCD1}">
-              <a14:hiddenFill xmlns:a14="http://schemas.microsoft.com/office/drawing/2010/main" xmlns="">
+              <a14:hiddenFill xmlns="" xmlns:a14="http://schemas.microsoft.com/office/drawing/2010/main">
                 <a:solidFill>
                   <a:schemeClr val="accent1"/>
                 </a:solidFill>
               </a14:hiddenFill>
             </a:ext>
             <a:ext uri="{91240B29-F687-4f45-9708-019B960494DF}">
-              <a14:hiddenLine xmlns:a14="http://schemas.microsoft.com/office/drawing/2010/main" xmlns="" w="9525">
+              <a14:hiddenLine xmlns="" xmlns:a14="http://schemas.microsoft.com/office/drawing/2010/main" w="9525">
                 <a:solidFill>
                   <a:schemeClr val="tx1"/>
                 </a:solidFill>
@@ -11380,14 +11380,14 @@
           </a:ln>
           <a:extLst>
             <a:ext uri="{909E8E84-426E-40dd-AFC4-6F175D3DCCD1}">
-              <a14:hiddenFill xmlns:a14="http://schemas.microsoft.com/office/drawing/2010/main" xmlns="">
+              <a14:hiddenFill xmlns="" xmlns:a14="http://schemas.microsoft.com/office/drawing/2010/main">
                 <a:solidFill>
                   <a:schemeClr val="accent1"/>
                 </a:solidFill>
               </a14:hiddenFill>
             </a:ext>
             <a:ext uri="{91240B29-F687-4f45-9708-019B960494DF}">
-              <a14:hiddenLine xmlns:a14="http://schemas.microsoft.com/office/drawing/2010/main" xmlns="" w="9525">
+              <a14:hiddenLine xmlns="" xmlns:a14="http://schemas.microsoft.com/office/drawing/2010/main" w="9525">
                 <a:solidFill>
                   <a:schemeClr val="tx1"/>
                 </a:solidFill>
@@ -11434,14 +11434,14 @@
           </a:ln>
           <a:extLst>
             <a:ext uri="{909E8E84-426E-40dd-AFC4-6F175D3DCCD1}">
-              <a14:hiddenFill xmlns:a14="http://schemas.microsoft.com/office/drawing/2010/main" xmlns="">
+              <a14:hiddenFill xmlns="" xmlns:a14="http://schemas.microsoft.com/office/drawing/2010/main">
                 <a:solidFill>
                   <a:schemeClr val="accent1"/>
                 </a:solidFill>
               </a14:hiddenFill>
             </a:ext>
             <a:ext uri="{91240B29-F687-4f45-9708-019B960494DF}">
-              <a14:hiddenLine xmlns:a14="http://schemas.microsoft.com/office/drawing/2010/main" xmlns="" w="9525">
+              <a14:hiddenLine xmlns="" xmlns:a14="http://schemas.microsoft.com/office/drawing/2010/main" w="9525">
                 <a:solidFill>
                   <a:schemeClr val="tx1"/>
                 </a:solidFill>
@@ -12585,11 +12585,7 @@
           <a:p>
             <a:r>
               <a:rPr lang="en-US" sz="4000" dirty="0" smtClean="0"/>
-              <a:t>Test Plan </a:t>
-            </a:r>
-            <a:r>
-              <a:rPr lang="en-US" sz="4000" dirty="0" smtClean="0"/>
-              <a:t>Contents</a:t>
+              <a:t>Test Plan Contents</a:t>
             </a:r>
             <a:endParaRPr lang="en-US" sz="4000" dirty="0"/>
           </a:p>
@@ -12971,14 +12967,14 @@
           </a:ln>
           <a:extLst>
             <a:ext uri="{909E8E84-426E-40dd-AFC4-6F175D3DCCD1}">
-              <a14:hiddenFill xmlns:a14="http://schemas.microsoft.com/office/drawing/2010/main" xmlns="">
+              <a14:hiddenFill xmlns="" xmlns:a14="http://schemas.microsoft.com/office/drawing/2010/main">
                 <a:solidFill>
                   <a:srgbClr val="FFFFFF"/>
                 </a:solidFill>
               </a14:hiddenFill>
             </a:ext>
             <a:ext uri="{91240B29-F687-4f45-9708-019B960494DF}">
-              <a14:hiddenLine xmlns:a14="http://schemas.microsoft.com/office/drawing/2010/main" xmlns="" w="9525">
+              <a14:hiddenLine xmlns="" xmlns:a14="http://schemas.microsoft.com/office/drawing/2010/main" w="9525">
                 <a:solidFill>
                   <a:srgbClr val="000000"/>
                 </a:solidFill>
@@ -13126,8 +13122,13 @@
             </a:r>
             <a:r>
               <a:rPr lang="en-US" dirty="0"/>
-              <a:t> is the most important task of Test Management Process. Follow the seven steps below to create a test plan as per IEEE 829</a:t>
-            </a:r>
+              <a:t> is the most important task of Test Management Process</a:t>
+            </a:r>
+            <a:r>
+              <a:rPr lang="en-US" dirty="0" smtClean="0"/>
+              <a:t>.</a:t>
+            </a:r>
+            <a:endParaRPr lang="en-US" dirty="0"/>
           </a:p>
         </p:txBody>
       </p:sp>
@@ -13209,7 +13210,7 @@
           <a:noFill/>
           <a:extLst>
             <a:ext uri="{909E8E84-426E-40dd-AFC4-6F175D3DCCD1}">
-              <a14:hiddenFill xmlns:a14="http://schemas.microsoft.com/office/drawing/2010/main" xmlns="">
+              <a14:hiddenFill xmlns="" xmlns:a14="http://schemas.microsoft.com/office/drawing/2010/main">
                 <a:solidFill>
                   <a:srgbClr val="FFFFFF"/>
                 </a:solidFill>
@@ -13314,7 +13315,7 @@
         <p:spPr>
           <a:xfrm>
             <a:off x="932688" y="1986115"/>
-            <a:ext cx="5251802" cy="3805085"/>
+            <a:ext cx="5440680" cy="3805085"/>
           </a:xfrm>
         </p:spPr>
         <p:txBody>
@@ -13879,7 +13880,7 @@
           <a:noFill/>
           <a:extLst>
             <a:ext uri="{909E8E84-426E-40dd-AFC4-6F175D3DCCD1}">
-              <a14:hiddenFill xmlns:a14="http://schemas.microsoft.com/office/drawing/2010/main" xmlns="">
+              <a14:hiddenFill xmlns="" xmlns:a14="http://schemas.microsoft.com/office/drawing/2010/main">
                 <a:solidFill>
                   <a:srgbClr val="FFFFFF"/>
                 </a:solidFill>
@@ -14679,7 +14680,7 @@
           <a:noFill/>
           <a:extLst>
             <a:ext uri="{909E8E84-426E-40dd-AFC4-6F175D3DCCD1}">
-              <a14:hiddenFill xmlns:a14="http://schemas.microsoft.com/office/drawing/2010/main" xmlns="">
+              <a14:hiddenFill xmlns="" xmlns:a14="http://schemas.microsoft.com/office/drawing/2010/main">
                 <a:solidFill>
                   <a:srgbClr val="FFFFFF"/>
                 </a:solidFill>
@@ -15088,7 +15089,7 @@
           <a:noFill/>
           <a:extLst>
             <a:ext uri="{909E8E84-426E-40dd-AFC4-6F175D3DCCD1}">
-              <a14:hiddenFill xmlns:a14="http://schemas.microsoft.com/office/drawing/2010/main" xmlns="">
+              <a14:hiddenFill xmlns="" xmlns:a14="http://schemas.microsoft.com/office/drawing/2010/main">
                 <a:solidFill>
                   <a:srgbClr val="FFFFFF"/>
                 </a:solidFill>
@@ -16048,7 +16049,7 @@
           <a:noFill/>
           <a:extLst>
             <a:ext uri="{909E8E84-426E-40dd-AFC4-6F175D3DCCD1}">
-              <a14:hiddenFill xmlns:a14="http://schemas.microsoft.com/office/drawing/2010/main" xmlns="">
+              <a14:hiddenFill xmlns="" xmlns:a14="http://schemas.microsoft.com/office/drawing/2010/main">
                 <a:solidFill>
                   <a:srgbClr val="FFFFFF"/>
                 </a:solidFill>
@@ -16336,14 +16337,14 @@
           <p:nvPr>
             <p:extLst>
               <p:ext uri="{D42A27DB-BD31-4B8C-83A1-F6EECF244321}">
-                <p14:modId xmlns:p14="http://schemas.microsoft.com/office/powerpoint/2010/main" val="1454972301"/>
+                <p14:modId xmlns:p14="http://schemas.microsoft.com/office/powerpoint/2010/main" val="4196732214"/>
               </p:ext>
             </p:extLst>
           </p:nvPr>
         </p:nvGraphicFramePr>
         <p:xfrm>
-          <a:off x="701040" y="2267459"/>
-          <a:ext cx="10287000" cy="4454016"/>
+          <a:off x="952500" y="2491813"/>
+          <a:ext cx="10287000" cy="3696992"/>
         </p:xfrm>
         <a:graphic>
           <a:graphicData uri="http://schemas.openxmlformats.org/drawingml/2006/table">
@@ -16367,17 +16368,11 @@
                   </a:extLst>
                 </a:gridCol>
               </a:tblGrid>
-              <a:tr h="547849">
+              <a:tr h="375157">
                 <a:tc>
                   <a:txBody>
                     <a:bodyPr/>
                     <a:lstStyle/>
-                    <a:p>
-                      <a:pPr algn="l" fontAlgn="t"/>
-                      <a:endParaRPr lang="en-US" sz="1800" baseline="0" dirty="0" smtClean="0">
-                        <a:effectLst/>
-                      </a:endParaRPr>
-                    </a:p>
                     <a:p>
                       <a:pPr algn="l" fontAlgn="t"/>
                       <a:r>
@@ -16397,12 +16392,6 @@
                   <a:txBody>
                     <a:bodyPr/>
                     <a:lstStyle/>
-                    <a:p>
-                      <a:pPr algn="l" fontAlgn="t"/>
-                      <a:endParaRPr lang="en-US" sz="1800" baseline="0" dirty="0" smtClean="0">
-                        <a:effectLst/>
-                      </a:endParaRPr>
-                    </a:p>
                     <a:p>
                       <a:pPr algn="l" fontAlgn="t"/>
                       <a:r>
@@ -16431,12 +16420,6 @@
                     <a:lstStyle/>
                     <a:p>
                       <a:pPr algn="l" fontAlgn="t"/>
-                      <a:endParaRPr lang="en-US" sz="1600" baseline="0" dirty="0" smtClean="0">
-                        <a:effectLst/>
-                      </a:endParaRPr>
-                    </a:p>
-                    <a:p>
-                      <a:pPr algn="l" fontAlgn="t"/>
                       <a:r>
                         <a:rPr lang="en-US" sz="1600" baseline="0" dirty="0" smtClean="0">
                           <a:effectLst/>
@@ -16457,12 +16440,6 @@
                   <a:txBody>
                     <a:bodyPr/>
                     <a:lstStyle/>
-                    <a:p>
-                      <a:pPr algn="l" fontAlgn="t"/>
-                      <a:endParaRPr lang="en-US" sz="1600" baseline="0" dirty="0" smtClean="0">
-                        <a:effectLst/>
-                      </a:endParaRPr>
-                    </a:p>
                     <a:p>
                       <a:pPr algn="l" fontAlgn="t"/>
                       <a:r>
@@ -16494,12 +16471,6 @@
                     <a:lstStyle/>
                     <a:p>
                       <a:pPr algn="l" fontAlgn="t"/>
-                      <a:endParaRPr lang="en-US" sz="1600" baseline="0" dirty="0" smtClean="0">
-                        <a:effectLst/>
-                      </a:endParaRPr>
-                    </a:p>
-                    <a:p>
-                      <a:pPr algn="l" fontAlgn="t"/>
                       <a:r>
                         <a:rPr lang="en-US" sz="1600" baseline="0" dirty="0" smtClean="0">
                           <a:effectLst/>
@@ -16520,12 +16491,6 @@
                   <a:txBody>
                     <a:bodyPr/>
                     <a:lstStyle/>
-                    <a:p>
-                      <a:pPr algn="l" fontAlgn="t"/>
-                      <a:endParaRPr lang="en-US" sz="1600" baseline="0" dirty="0" smtClean="0">
-                        <a:effectLst/>
-                      </a:endParaRPr>
-                    </a:p>
                     <a:p>
                       <a:pPr algn="l" fontAlgn="t"/>
                       <a:r>
@@ -16566,12 +16531,6 @@
                     <a:lstStyle/>
                     <a:p>
                       <a:pPr algn="l" fontAlgn="t"/>
-                      <a:endParaRPr lang="en-US" sz="1600" baseline="0" dirty="0" smtClean="0">
-                        <a:effectLst/>
-                      </a:endParaRPr>
-                    </a:p>
-                    <a:p>
-                      <a:pPr algn="l" fontAlgn="t"/>
                       <a:r>
                         <a:rPr lang="en-US" sz="1600" baseline="0" dirty="0" smtClean="0">
                           <a:effectLst/>
@@ -16592,12 +16551,6 @@
                   <a:txBody>
                     <a:bodyPr/>
                     <a:lstStyle/>
-                    <a:p>
-                      <a:pPr algn="l" fontAlgn="t"/>
-                      <a:endParaRPr lang="en-US" sz="1600" baseline="0" dirty="0" smtClean="0">
-                        <a:effectLst/>
-                      </a:endParaRPr>
-                    </a:p>
                     <a:p>
                       <a:pPr algn="l" fontAlgn="t"/>
                       <a:r>
@@ -16627,12 +16580,6 @@
                   <a:txBody>
                     <a:bodyPr/>
                     <a:lstStyle/>
-                    <a:p>
-                      <a:pPr algn="l" fontAlgn="t"/>
-                      <a:endParaRPr lang="en-US" sz="1600" baseline="0" dirty="0" smtClean="0">
-                        <a:effectLst/>
-                      </a:endParaRPr>
-                    </a:p>
                     <a:p>
                       <a:pPr algn="l" fontAlgn="t"/>
                       <a:r>
@@ -16675,12 +16622,6 @@
                     <a:lstStyle/>
                     <a:p>
                       <a:pPr algn="l" fontAlgn="t"/>
-                      <a:endParaRPr lang="en-US" sz="1600" baseline="0" dirty="0" smtClean="0">
-                        <a:effectLst/>
-                      </a:endParaRPr>
-                    </a:p>
-                    <a:p>
-                      <a:pPr algn="l" fontAlgn="t"/>
                       <a:r>
                         <a:rPr lang="en-US" sz="1600" baseline="0" dirty="0" smtClean="0">
                           <a:effectLst/>
@@ -16710,12 +16651,6 @@
                     <a:lstStyle/>
                     <a:p>
                       <a:pPr algn="l" fontAlgn="t"/>
-                      <a:endParaRPr lang="en-US" sz="1600" baseline="0" dirty="0" smtClean="0">
-                        <a:effectLst/>
-                      </a:endParaRPr>
-                    </a:p>
-                    <a:p>
-                      <a:pPr algn="l" fontAlgn="t"/>
                       <a:r>
                         <a:rPr lang="en-US" sz="1600" baseline="0" dirty="0" smtClean="0">
                           <a:effectLst/>
@@ -16736,12 +16671,6 @@
                   <a:txBody>
                     <a:bodyPr/>
                     <a:lstStyle/>
-                    <a:p>
-                      <a:pPr algn="l" fontAlgn="t"/>
-                      <a:endParaRPr lang="en-US" sz="1600" baseline="0" dirty="0" smtClean="0">
-                        <a:effectLst/>
-                      </a:endParaRPr>
-                    </a:p>
                     <a:p>
                       <a:pPr algn="l" fontAlgn="t"/>
                       <a:r>
@@ -16994,7 +16923,7 @@
           <a:noFill/>
           <a:extLst>
             <a:ext uri="{909E8E84-426E-40dd-AFC4-6F175D3DCCD1}">
-              <a14:hiddenFill xmlns:a14="http://schemas.microsoft.com/office/drawing/2010/main" xmlns="">
+              <a14:hiddenFill xmlns="" xmlns:a14="http://schemas.microsoft.com/office/drawing/2010/main">
                 <a:solidFill>
                   <a:srgbClr val="FFFFFF"/>
                 </a:solidFill>
@@ -21088,7 +21017,7 @@
           <a:noFill/>
           <a:extLst>
             <a:ext uri="{909E8E84-426E-40dd-AFC4-6F175D3DCCD1}">
-              <a14:hiddenFill xmlns:a14="http://schemas.microsoft.com/office/drawing/2010/main" xmlns="">
+              <a14:hiddenFill xmlns="" xmlns:a14="http://schemas.microsoft.com/office/drawing/2010/main">
                 <a:solidFill>
                   <a:srgbClr val="FFFFFF"/>
                 </a:solidFill>
@@ -23243,15 +23172,7 @@
           <a:p>
             <a:r>
               <a:rPr lang="en-US" dirty="0" smtClean="0"/>
-              <a:t>IEEE Standard 829-2008 is </a:t>
-            </a:r>
-            <a:r>
-              <a:rPr lang="en-US" dirty="0" smtClean="0"/>
-              <a:t>old </a:t>
-            </a:r>
-            <a:r>
-              <a:rPr lang="en-US" dirty="0" smtClean="0"/>
-              <a:t>but still used:</a:t>
+              <a:t>IEEE Standard 829-2008 is old but still used:</a:t>
             </a:r>
           </a:p>
           <a:p>
@@ -23306,14 +23227,14 @@
           </a:ln>
           <a:extLst>
             <a:ext uri="{909E8E84-426E-40dd-AFC4-6F175D3DCCD1}">
-              <a14:hiddenFill xmlns:a14="http://schemas.microsoft.com/office/drawing/2010/main" xmlns="">
+              <a14:hiddenFill xmlns="" xmlns:a14="http://schemas.microsoft.com/office/drawing/2010/main">
                 <a:solidFill>
                   <a:srgbClr val="FFFFFF"/>
                 </a:solidFill>
               </a14:hiddenFill>
             </a:ext>
             <a:ext uri="{91240B29-F687-4f45-9708-019B960494DF}">
-              <a14:hiddenLine xmlns:a14="http://schemas.microsoft.com/office/drawing/2010/main" xmlns="" w="9525">
+              <a14:hiddenLine xmlns="" xmlns:a14="http://schemas.microsoft.com/office/drawing/2010/main" w="9525">
                 <a:solidFill>
                   <a:srgbClr val="000000"/>
                 </a:solidFill>
